--- a/journal_correspondence/graphical_abstract/graphical_abstract.pptx
+++ b/journal_correspondence/graphical_abstract/graphical_abstract.pptx
@@ -104,6 +104,11 @@
       </a:defRPr>
     </a:lvl9pPr>
   </p:defaultTextStyle>
+  <p:extLst>
+    <p:ext uri="{EFAFB233-063F-42B5-8137-9DF3F51BA10A}">
+      <p15:sldGuideLst xmlns:p15="http://schemas.microsoft.com/office/powerpoint/2012/main"/>
+    </p:ext>
+  </p:extLst>
 </p:presentation>
 </file>
 
@@ -256,7 +261,7 @@
           <a:p>
             <a:fld id="{7496222B-CF9B-7543-9CBB-BF553F82D2C9}" type="datetimeFigureOut">
               <a:rPr lang="en-US" smtClean="0"/>
-              <a:t>12/28/23</a:t>
+              <a:t>12/30/23</a:t>
             </a:fld>
             <a:endParaRPr lang="en-US"/>
           </a:p>
@@ -456,7 +461,7 @@
           <a:p>
             <a:fld id="{7496222B-CF9B-7543-9CBB-BF553F82D2C9}" type="datetimeFigureOut">
               <a:rPr lang="en-US" smtClean="0"/>
-              <a:t>12/28/23</a:t>
+              <a:t>12/30/23</a:t>
             </a:fld>
             <a:endParaRPr lang="en-US"/>
           </a:p>
@@ -666,7 +671,7 @@
           <a:p>
             <a:fld id="{7496222B-CF9B-7543-9CBB-BF553F82D2C9}" type="datetimeFigureOut">
               <a:rPr lang="en-US" smtClean="0"/>
-              <a:t>12/28/23</a:t>
+              <a:t>12/30/23</a:t>
             </a:fld>
             <a:endParaRPr lang="en-US"/>
           </a:p>
@@ -866,7 +871,7 @@
           <a:p>
             <a:fld id="{7496222B-CF9B-7543-9CBB-BF553F82D2C9}" type="datetimeFigureOut">
               <a:rPr lang="en-US" smtClean="0"/>
-              <a:t>12/28/23</a:t>
+              <a:t>12/30/23</a:t>
             </a:fld>
             <a:endParaRPr lang="en-US"/>
           </a:p>
@@ -1142,7 +1147,7 @@
           <a:p>
             <a:fld id="{7496222B-CF9B-7543-9CBB-BF553F82D2C9}" type="datetimeFigureOut">
               <a:rPr lang="en-US" smtClean="0"/>
-              <a:t>12/28/23</a:t>
+              <a:t>12/30/23</a:t>
             </a:fld>
             <a:endParaRPr lang="en-US"/>
           </a:p>
@@ -1410,7 +1415,7 @@
           <a:p>
             <a:fld id="{7496222B-CF9B-7543-9CBB-BF553F82D2C9}" type="datetimeFigureOut">
               <a:rPr lang="en-US" smtClean="0"/>
-              <a:t>12/28/23</a:t>
+              <a:t>12/30/23</a:t>
             </a:fld>
             <a:endParaRPr lang="en-US"/>
           </a:p>
@@ -1825,7 +1830,7 @@
           <a:p>
             <a:fld id="{7496222B-CF9B-7543-9CBB-BF553F82D2C9}" type="datetimeFigureOut">
               <a:rPr lang="en-US" smtClean="0"/>
-              <a:t>12/28/23</a:t>
+              <a:t>12/30/23</a:t>
             </a:fld>
             <a:endParaRPr lang="en-US"/>
           </a:p>
@@ -1967,7 +1972,7 @@
           <a:p>
             <a:fld id="{7496222B-CF9B-7543-9CBB-BF553F82D2C9}" type="datetimeFigureOut">
               <a:rPr lang="en-US" smtClean="0"/>
-              <a:t>12/28/23</a:t>
+              <a:t>12/30/23</a:t>
             </a:fld>
             <a:endParaRPr lang="en-US"/>
           </a:p>
@@ -2080,7 +2085,7 @@
           <a:p>
             <a:fld id="{7496222B-CF9B-7543-9CBB-BF553F82D2C9}" type="datetimeFigureOut">
               <a:rPr lang="en-US" smtClean="0"/>
-              <a:t>12/28/23</a:t>
+              <a:t>12/30/23</a:t>
             </a:fld>
             <a:endParaRPr lang="en-US"/>
           </a:p>
@@ -2393,7 +2398,7 @@
           <a:p>
             <a:fld id="{7496222B-CF9B-7543-9CBB-BF553F82D2C9}" type="datetimeFigureOut">
               <a:rPr lang="en-US" smtClean="0"/>
-              <a:t>12/28/23</a:t>
+              <a:t>12/30/23</a:t>
             </a:fld>
             <a:endParaRPr lang="en-US"/>
           </a:p>
@@ -2682,7 +2687,7 @@
           <a:p>
             <a:fld id="{7496222B-CF9B-7543-9CBB-BF553F82D2C9}" type="datetimeFigureOut">
               <a:rPr lang="en-US" smtClean="0"/>
-              <a:t>12/28/23</a:t>
+              <a:t>12/30/23</a:t>
             </a:fld>
             <a:endParaRPr lang="en-US"/>
           </a:p>
@@ -2925,7 +2930,7 @@
           <a:p>
             <a:fld id="{7496222B-CF9B-7543-9CBB-BF553F82D2C9}" type="datetimeFigureOut">
               <a:rPr lang="en-US" smtClean="0"/>
-              <a:t>12/28/23</a:t>
+              <a:t>12/30/23</a:t>
             </a:fld>
             <a:endParaRPr lang="en-US"/>
           </a:p>
@@ -3417,7 +3422,7 @@
           <p:nvPr/>
         </p:nvPicPr>
         <p:blipFill>
-          <a:blip r:embed="rId3">
+          <a:blip r:embed="rId2">
             <a:alphaModFix amt="12000"/>
             <a:extLst>
               <a:ext uri="{28A0092B-C50C-407E-A947-70E740481C1C}">
@@ -3465,7 +3470,7 @@
           <p:nvPr/>
         </p:nvPicPr>
         <p:blipFill>
-          <a:blip r:embed="rId4"/>
+          <a:blip r:embed="rId3"/>
           <a:stretch>
             <a:fillRect/>
           </a:stretch>
@@ -3495,7 +3500,7 @@
           <p:nvPr/>
         </p:nvPicPr>
         <p:blipFill>
-          <a:blip r:embed="rId5"/>
+          <a:blip r:embed="rId4"/>
           <a:stretch>
             <a:fillRect/>
           </a:stretch>
@@ -5915,7 +5920,7 @@
           <p:nvPr/>
         </p:nvPicPr>
         <p:blipFill>
-          <a:blip r:embed="rId6"/>
+          <a:blip r:embed="rId5"/>
           <a:stretch>
             <a:fillRect/>
           </a:stretch>
@@ -13857,7 +13862,23 @@
                 <a:latin typeface="Times New Roman" panose="02020603050405020304" pitchFamily="18" charset="0"/>
                 <a:cs typeface="Times New Roman" panose="02020603050405020304" pitchFamily="18" charset="0"/>
               </a:rPr>
-              <a:t>Learn more about the paper and implement the proposed framework. Full paper and all r codes available at https://</a:t>
+              <a:t>Learn more about the paper and implement the proposed framework. Full paper and </a:t>
+            </a:r>
+            <a:r>
+              <a:rPr lang="en-GB">
+                <a:effectLst/>
+                <a:latin typeface="Times New Roman" panose="02020603050405020304" pitchFamily="18" charset="0"/>
+                <a:cs typeface="Times New Roman" panose="02020603050405020304" pitchFamily="18" charset="0"/>
+              </a:rPr>
+              <a:t>all R code </a:t>
+            </a:r>
+            <a:r>
+              <a:rPr lang="en-GB" dirty="0">
+                <a:effectLst/>
+                <a:latin typeface="Times New Roman" panose="02020603050405020304" pitchFamily="18" charset="0"/>
+                <a:cs typeface="Times New Roman" panose="02020603050405020304" pitchFamily="18" charset="0"/>
+              </a:rPr>
+              <a:t>available at https://</a:t>
             </a:r>
             <a:r>
               <a:rPr lang="en-GB" dirty="0" err="1">
@@ -13894,6 +13915,100 @@
           </a:p>
         </p:txBody>
       </p:sp>
+      <p:pic>
+        <p:nvPicPr>
+          <p:cNvPr id="1028" name="Picture 4">
+            <a:extLst>
+              <a:ext uri="{FF2B5EF4-FFF2-40B4-BE49-F238E27FC236}">
+                <a16:creationId xmlns:a16="http://schemas.microsoft.com/office/drawing/2014/main" id="{54D4C3AB-E67B-BEC4-A1B6-2BD550F5D9DD}"/>
+              </a:ext>
+            </a:extLst>
+          </p:cNvPr>
+          <p:cNvPicPr>
+            <a:picLocks noChangeAspect="1" noChangeArrowheads="1"/>
+          </p:cNvPicPr>
+          <p:nvPr/>
+        </p:nvPicPr>
+        <p:blipFill>
+          <a:blip>
+            <a:extLst>
+              <a:ext uri="{28A0092B-C50C-407E-A947-70E740481C1C}">
+                <a14:useLocalDpi xmlns:a14="http://schemas.microsoft.com/office/drawing/2010/main" val="0"/>
+              </a:ext>
+            </a:extLst>
+          </a:blip>
+          <a:srcRect/>
+          <a:stretch>
+            <a:fillRect/>
+          </a:stretch>
+        </p:blipFill>
+        <p:spPr bwMode="auto">
+          <a:xfrm>
+            <a:off x="0" y="0"/>
+            <a:ext cx="2616200" cy="2108200"/>
+          </a:xfrm>
+          <a:prstGeom prst="rect">
+            <a:avLst/>
+          </a:prstGeom>
+          <a:noFill/>
+          <a:extLst>
+            <a:ext uri="{909E8E84-426E-40DD-AFC4-6F175D3DCCD1}">
+              <a14:hiddenFill xmlns:a14="http://schemas.microsoft.com/office/drawing/2010/main">
+                <a:solidFill>
+                  <a:srgbClr val="FFFFFF"/>
+                </a:solidFill>
+              </a14:hiddenFill>
+            </a:ext>
+          </a:extLst>
+        </p:spPr>
+      </p:pic>
+      <p:pic>
+        <p:nvPicPr>
+          <p:cNvPr id="1027" name="Picture">
+            <a:extLst>
+              <a:ext uri="{FF2B5EF4-FFF2-40B4-BE49-F238E27FC236}">
+                <a16:creationId xmlns:a16="http://schemas.microsoft.com/office/drawing/2014/main" id="{25AF48EE-35B4-7A7F-4535-AEE3EE51F4A8}"/>
+              </a:ext>
+            </a:extLst>
+          </p:cNvPr>
+          <p:cNvPicPr>
+            <a:picLocks noChangeAspect="1" noChangeArrowheads="1"/>
+          </p:cNvPicPr>
+          <p:nvPr/>
+        </p:nvPicPr>
+        <p:blipFill>
+          <a:blip>
+            <a:extLst>
+              <a:ext uri="{28A0092B-C50C-407E-A947-70E740481C1C}">
+                <a14:useLocalDpi xmlns:a14="http://schemas.microsoft.com/office/drawing/2010/main" val="0"/>
+              </a:ext>
+            </a:extLst>
+          </a:blip>
+          <a:srcRect/>
+          <a:stretch>
+            <a:fillRect/>
+          </a:stretch>
+        </p:blipFill>
+        <p:spPr bwMode="auto">
+          <a:xfrm>
+            <a:off x="0" y="0"/>
+            <a:ext cx="1879600" cy="1765300"/>
+          </a:xfrm>
+          <a:prstGeom prst="rect">
+            <a:avLst/>
+          </a:prstGeom>
+          <a:noFill/>
+          <a:extLst>
+            <a:ext uri="{909E8E84-426E-40DD-AFC4-6F175D3DCCD1}">
+              <a14:hiddenFill xmlns:a14="http://schemas.microsoft.com/office/drawing/2010/main">
+                <a:solidFill>
+                  <a:srgbClr val="FFFFFF"/>
+                </a:solidFill>
+              </a14:hiddenFill>
+            </a:ext>
+          </a:extLst>
+        </p:spPr>
+      </p:pic>
     </p:spTree>
     <p:extLst>
       <p:ext uri="{BB962C8B-B14F-4D97-AF65-F5344CB8AC3E}">
